--- a/slides/tfitter-overview-august09.pptx
+++ b/slides/tfitter-overview-august09.pptx
@@ -218,7 +218,7 @@
             <a:fld id="{69706552-CCFF-5142-968A-15E1C7FD5A3D}" type="datetimeFigureOut">
               <a:rPr lang="en-US" smtClean="0"/>
               <a:pPr/>
-              <a:t>8/17/09</a:t>
+              <a:t>8/18/09</a:t>
             </a:fld>
             <a:endParaRPr lang="en-US"/>
           </a:p>
@@ -381,7 +381,7 @@
             <a:fld id="{E4D026C2-3841-844C-BD4B-3EA0210B8893}" type="datetimeFigureOut">
               <a:rPr lang="en-US" smtClean="0"/>
               <a:pPr/>
-              <a:t>8/17/09</a:t>
+              <a:t>8/18/09</a:t>
             </a:fld>
             <a:endParaRPr lang="en-US"/>
           </a:p>
@@ -1350,7 +1350,7 @@
             <a:fld id="{C3BE16BB-759A-E54F-B5E0-12B97EB85517}" type="datetime1">
               <a:rPr lang="en-US" smtClean="0"/>
               <a:pPr/>
-              <a:t>8/17/09</a:t>
+              <a:t>8/18/09</a:t>
             </a:fld>
             <a:endParaRPr lang="en-US"/>
           </a:p>
@@ -1517,7 +1517,7 @@
             <a:fld id="{FFD79ECE-9DF3-5144-84ED-8FFF8B82FA66}" type="datetime1">
               <a:rPr lang="en-US" smtClean="0"/>
               <a:pPr/>
-              <a:t>8/17/09</a:t>
+              <a:t>8/18/09</a:t>
             </a:fld>
             <a:endParaRPr lang="en-US"/>
           </a:p>
@@ -1694,7 +1694,7 @@
             <a:fld id="{E3D085AA-3547-F14C-9896-75CF7134B962}" type="datetime1">
               <a:rPr lang="en-US" smtClean="0"/>
               <a:pPr/>
-              <a:t>8/17/09</a:t>
+              <a:t>8/18/09</a:t>
             </a:fld>
             <a:endParaRPr lang="en-US"/>
           </a:p>
@@ -1861,7 +1861,7 @@
             <a:fld id="{047A3524-5398-D047-9889-D63FF59F302B}" type="datetime1">
               <a:rPr lang="en-US" smtClean="0"/>
               <a:pPr/>
-              <a:t>8/17/09</a:t>
+              <a:t>8/18/09</a:t>
             </a:fld>
             <a:endParaRPr lang="en-US"/>
           </a:p>
@@ -2104,7 +2104,7 @@
             <a:fld id="{36FAD9EF-CD47-B344-A86B-08449E2EA3B4}" type="datetime1">
               <a:rPr lang="en-US" smtClean="0"/>
               <a:pPr/>
-              <a:t>8/17/09</a:t>
+              <a:t>8/18/09</a:t>
             </a:fld>
             <a:endParaRPr lang="en-US"/>
           </a:p>
@@ -2389,7 +2389,7 @@
             <a:fld id="{836F7283-C4B7-CF4E-9265-7614B07B35CD}" type="datetime1">
               <a:rPr lang="en-US" smtClean="0"/>
               <a:pPr/>
-              <a:t>8/17/09</a:t>
+              <a:t>8/18/09</a:t>
             </a:fld>
             <a:endParaRPr lang="en-US"/>
           </a:p>
@@ -2808,7 +2808,7 @@
             <a:fld id="{1DCC64C3-EB23-FC46-9BF8-E51A628917DF}" type="datetime1">
               <a:rPr lang="en-US" smtClean="0"/>
               <a:pPr/>
-              <a:t>8/17/09</a:t>
+              <a:t>8/18/09</a:t>
             </a:fld>
             <a:endParaRPr lang="en-US"/>
           </a:p>
@@ -2923,7 +2923,7 @@
             <a:fld id="{E30211F1-3496-FF40-966E-657A9A8E9B31}" type="datetime1">
               <a:rPr lang="en-US" smtClean="0"/>
               <a:pPr/>
-              <a:t>8/17/09</a:t>
+              <a:t>8/18/09</a:t>
             </a:fld>
             <a:endParaRPr lang="en-US"/>
           </a:p>
@@ -3015,7 +3015,7 @@
             <a:fld id="{75D2F51E-33F1-AE4F-BBD4-AE9F2C867CCE}" type="datetime1">
               <a:rPr lang="en-US" smtClean="0"/>
               <a:pPr/>
-              <a:t>8/17/09</a:t>
+              <a:t>8/18/09</a:t>
             </a:fld>
             <a:endParaRPr lang="en-US"/>
           </a:p>
@@ -3289,7 +3289,7 @@
             <a:fld id="{4632E3B9-3B25-D34A-BC0F-74EA13E32974}" type="datetime1">
               <a:rPr lang="en-US" smtClean="0"/>
               <a:pPr/>
-              <a:t>8/17/09</a:t>
+              <a:t>8/18/09</a:t>
             </a:fld>
             <a:endParaRPr lang="en-US"/>
           </a:p>
@@ -3539,7 +3539,7 @@
             <a:fld id="{74F22601-9320-624F-BD0B-CDC64575FD15}" type="datetime1">
               <a:rPr lang="en-US" smtClean="0"/>
               <a:pPr/>
-              <a:t>8/17/09</a:t>
+              <a:t>8/18/09</a:t>
             </a:fld>
             <a:endParaRPr lang="en-US"/>
           </a:p>
@@ -3749,7 +3749,7 @@
             <a:fld id="{41DA3D2D-E747-4B4A-9A55-5EDC637BEFF1}" type="datetime1">
               <a:rPr lang="en-US" smtClean="0"/>
               <a:pPr/>
-              <a:t>8/17/09</a:t>
+              <a:t>8/18/09</a:t>
             </a:fld>
             <a:endParaRPr lang="en-US"/>
           </a:p>
@@ -4221,31 +4221,31 @@
                   <a:srgbClr val="000090"/>
                 </a:solidFill>
               </a:rPr>
-              <a:t>twitter </a:t>
-            </a:r>
-            <a:r>
-              <a:rPr lang="en-US" smtClean="0">
+              <a:t>twitter as</a:t>
+            </a:r>
+            <a:r>
+              <a:rPr lang="en-US" dirty="0" smtClean="0">
+                <a:solidFill>
+                  <a:srgbClr val="008000"/>
+                </a:solidFill>
+              </a:rPr>
+              <a:t> </a:t>
+            </a:r>
+            <a:r>
+              <a:rPr lang="en-US" dirty="0" smtClean="0">
                 <a:solidFill>
                   <a:srgbClr val="000090"/>
                 </a:solidFill>
               </a:rPr>
-              <a:t>as</a:t>
-            </a:r>
-            <a:r>
-              <a:rPr lang="en-US" smtClean="0">
+              <a:t>a</a:t>
+            </a:r>
+            <a:r>
+              <a:rPr lang="en-US" dirty="0" smtClean="0">
                 <a:solidFill>
                   <a:srgbClr val="008000"/>
                 </a:solidFill>
               </a:rPr>
-              <a:t> a </a:t>
-            </a:r>
-            <a:r>
-              <a:rPr lang="en-US" smtClean="0">
-                <a:solidFill>
-                  <a:srgbClr val="FFFF00"/>
-                </a:solidFill>
-              </a:rPr>
-              <a:t>human </a:t>
+              <a:t> </a:t>
             </a:r>
             <a:r>
               <a:rPr lang="en-US" dirty="0" smtClean="0">
@@ -4253,7 +4253,7 @@
                   <a:srgbClr val="FFFF00"/>
                 </a:solidFill>
               </a:rPr>
-              <a:t>terrain</a:t>
+              <a:t>human terrain</a:t>
             </a:r>
             <a:endParaRPr lang="en-US" dirty="0">
               <a:solidFill>
@@ -4481,6 +4481,13 @@
   <p:clrMapOvr>
     <a:masterClrMapping/>
   </p:clrMapOvr>
+  <p:timing>
+    <p:tnLst>
+      <p:par>
+        <p:cTn id="1" dur="indefinite" restart="never" nodeType="tmRoot"/>
+      </p:par>
+    </p:tnLst>
+  </p:timing>
 </p:sld>
 </file>
 
@@ -4608,6 +4615,13 @@
   <p:clrMapOvr>
     <a:masterClrMapping/>
   </p:clrMapOvr>
+  <p:timing>
+    <p:tnLst>
+      <p:par>
+        <p:cTn id="1" dur="indefinite" restart="never" nodeType="tmRoot"/>
+      </p:par>
+    </p:tnLst>
+  </p:timing>
 </p:sld>
 </file>
 
@@ -4728,6 +4742,13 @@
   <p:clrMapOvr>
     <a:masterClrMapping/>
   </p:clrMapOvr>
+  <p:timing>
+    <p:tnLst>
+      <p:par>
+        <p:cTn id="1" dur="indefinite" restart="never" nodeType="tmRoot"/>
+      </p:par>
+    </p:tnLst>
+  </p:timing>
 </p:sld>
 </file>
 
@@ -4925,6 +4946,13 @@
   <p:clrMapOvr>
     <a:masterClrMapping/>
   </p:clrMapOvr>
+  <p:timing>
+    <p:tnLst>
+      <p:par>
+        <p:cTn id="1" dur="indefinite" restart="never" nodeType="tmRoot"/>
+      </p:par>
+    </p:tnLst>
+  </p:timing>
 </p:sld>
 </file>
 
@@ -5199,11 +5227,7 @@
             </a:r>
             <a:r>
               <a:rPr lang="en-US" dirty="0" err="1" smtClean="0"/>
-              <a:t>i,</a:t>
-            </a:r>
-            <a:r>
-              <a:rPr lang="en-US" dirty="0" err="1" smtClean="0"/>
-              <a:t>ve</a:t>
+              <a:t>i,ve</a:t>
             </a:r>
             <a:endParaRPr lang="en-US" dirty="0" smtClean="0"/>
           </a:p>
@@ -5277,11 +5301,7 @@
           <a:p>
             <a:r>
               <a:rPr lang="en-US" dirty="0" smtClean="0"/>
-              <a:t>330725.0</a:t>
-            </a:r>
-            <a:r>
-              <a:rPr lang="en-US" dirty="0" smtClean="0"/>
-              <a:t>: </a:t>
+              <a:t>330725.0: </a:t>
             </a:r>
             <a:r>
               <a:rPr lang="en-US" dirty="0" err="1" smtClean="0"/>
@@ -5406,11 +5426,7 @@
             </a:r>
             <a:r>
               <a:rPr lang="en-US" dirty="0" err="1" smtClean="0"/>
-              <a:t>now</a:t>
-            </a:r>
-            <a:r>
-              <a:rPr lang="en-US" dirty="0" err="1" smtClean="0"/>
-              <a:t>,I</a:t>
+              <a:t>now,I</a:t>
             </a:r>
             <a:endParaRPr lang="en-US" dirty="0" smtClean="0"/>
           </a:p>
@@ -5443,11 +5459,7 @@
             </a:r>
             <a:r>
               <a:rPr lang="en-US" dirty="0" err="1" smtClean="0"/>
-              <a:t>what,</a:t>
-            </a:r>
-            <a:r>
-              <a:rPr lang="en-US" dirty="0" err="1" smtClean="0"/>
-              <a:t>you</a:t>
+              <a:t>what,you</a:t>
             </a:r>
             <a:endParaRPr lang="en-US" dirty="0" smtClean="0"/>
           </a:p>
@@ -5660,11 +5672,7 @@
             </a:r>
             <a:r>
               <a:rPr lang="en-US" dirty="0" err="1" smtClean="0"/>
-              <a:t>love,</a:t>
-            </a:r>
-            <a:r>
-              <a:rPr lang="en-US" dirty="0" err="1" smtClean="0"/>
-              <a:t>you</a:t>
+              <a:t>love,you</a:t>
             </a:r>
             <a:endParaRPr lang="en-US" dirty="0" smtClean="0"/>
           </a:p>
@@ -5675,6 +5683,13 @@
   <p:clrMapOvr>
     <a:masterClrMapping/>
   </p:clrMapOvr>
+  <p:timing>
+    <p:tnLst>
+      <p:par>
+        <p:cTn id="1" dur="indefinite" restart="never" nodeType="tmRoot"/>
+      </p:par>
+    </p:tnLst>
+  </p:timing>
 </p:sld>
 </file>
 
@@ -5777,11 +5792,7 @@
             </a:pPr>
             <a:r>
               <a:rPr lang="en-US" dirty="0" smtClean="0"/>
-              <a:t>84355.0</a:t>
-            </a:r>
-            <a:r>
-              <a:rPr lang="en-US" dirty="0" smtClean="0"/>
-              <a:t>: </a:t>
+              <a:t>84355.0: </a:t>
             </a:r>
             <a:r>
               <a:rPr lang="en-US" dirty="0" err="1" smtClean="0"/>
@@ -5841,11 +5852,7 @@
             </a:r>
             <a:r>
               <a:rPr lang="en-US" dirty="0" err="1" smtClean="0"/>
-              <a:t>new,blog,</a:t>
-            </a:r>
-            <a:r>
-              <a:rPr lang="en-US" dirty="0" err="1" smtClean="0"/>
-              <a:t>post</a:t>
+              <a:t>new,blog,post</a:t>
             </a:r>
             <a:endParaRPr lang="en-US" dirty="0" smtClean="0"/>
           </a:p>
@@ -5985,11 +5992,7 @@
             </a:r>
             <a:r>
               <a:rPr lang="en-US" dirty="0" err="1" smtClean="0"/>
-              <a:t>i,just,</a:t>
-            </a:r>
-            <a:r>
-              <a:rPr lang="en-US" dirty="0" err="1" smtClean="0"/>
-              <a:t>become</a:t>
+              <a:t>i,just,become</a:t>
             </a:r>
             <a:endParaRPr lang="en-US" dirty="0" smtClean="0"/>
           </a:p>
@@ -6003,11 +6006,7 @@
             </a:r>
             <a:r>
               <a:rPr lang="en-US" dirty="0" err="1" smtClean="0"/>
-              <a:t>you,tons,</a:t>
-            </a:r>
-            <a:r>
-              <a:rPr lang="en-US" dirty="0" err="1" smtClean="0"/>
-              <a:t>followers</a:t>
+              <a:t>you,tons,followers</a:t>
             </a:r>
             <a:endParaRPr lang="en-US" dirty="0" smtClean="0"/>
           </a:p>
@@ -6173,22 +6172,14 @@
             </a:r>
             <a:r>
               <a:rPr lang="en-US" dirty="0" err="1" smtClean="0"/>
-              <a:t>http,ff,</a:t>
-            </a:r>
-            <a:r>
-              <a:rPr lang="en-US" dirty="0" err="1" smtClean="0"/>
-              <a:t>im</a:t>
-            </a:r>
-            <a:endParaRPr lang="en-US" dirty="0" smtClean="0"/>
-          </a:p>
-          <a:p>
-            <a:r>
-              <a:rPr lang="en-US" dirty="0" smtClean="0"/>
-              <a:t>95500.0</a:t>
-            </a:r>
-            <a:r>
-              <a:rPr lang="en-US" dirty="0" smtClean="0"/>
-              <a:t>: </a:t>
+              <a:t>http,ff,im</a:t>
+            </a:r>
+            <a:endParaRPr lang="en-US" dirty="0" smtClean="0"/>
+          </a:p>
+          <a:p>
+            <a:r>
+              <a:rPr lang="en-US" dirty="0" smtClean="0"/>
+              <a:t>95500.0: </a:t>
             </a:r>
             <a:r>
               <a:rPr lang="en-US" dirty="0" err="1" smtClean="0"/>
@@ -6203,11 +6194,7 @@
             </a:r>
             <a:r>
               <a:rPr lang="en-US" dirty="0" err="1" smtClean="0"/>
-              <a:t>http,tumblr,</a:t>
-            </a:r>
-            <a:r>
-              <a:rPr lang="en-US" dirty="0" err="1" smtClean="0"/>
-              <a:t>com</a:t>
+              <a:t>http,tumblr,com</a:t>
             </a:r>
             <a:endParaRPr lang="en-US" dirty="0" smtClean="0"/>
           </a:p>
@@ -6420,6 +6407,13 @@
   <p:clrMapOvr>
     <a:masterClrMapping/>
   </p:clrMapOvr>
+  <p:timing>
+    <p:tnLst>
+      <p:par>
+        <p:cTn id="1" dur="indefinite" restart="never" nodeType="tmRoot"/>
+      </p:par>
+    </p:tnLst>
+  </p:timing>
 </p:sld>
 </file>
 
@@ -6666,11 +6660,7 @@
             </a:r>
             <a:r>
               <a:rPr lang="en-US" dirty="0" err="1" smtClean="0"/>
-              <a:t>avatar,click,http,</a:t>
-            </a:r>
-            <a:r>
-              <a:rPr lang="en-US" dirty="0" err="1" smtClean="0"/>
-              <a:t>helpiranelection</a:t>
+              <a:t>avatar,click,http,helpiranelection</a:t>
             </a:r>
             <a:endParaRPr lang="en-US" dirty="0" smtClean="0"/>
           </a:p>
@@ -6714,11 +6704,7 @@
             </a:r>
             <a:r>
               <a:rPr lang="en-US" dirty="0" err="1" smtClean="0"/>
-              <a:t>iran,add,green,</a:t>
-            </a:r>
-            <a:r>
-              <a:rPr lang="en-US" dirty="0" err="1" smtClean="0"/>
-              <a:t>overlay</a:t>
+              <a:t>iran,add,green,overlay</a:t>
             </a:r>
             <a:endParaRPr lang="en-US" dirty="0"/>
           </a:p>
@@ -6884,11 +6870,7 @@
             </a:r>
             <a:r>
               <a:rPr lang="en-US" dirty="0" err="1" smtClean="0"/>
-              <a:t>i,just,took,</a:t>
-            </a:r>
-            <a:r>
-              <a:rPr lang="en-US" dirty="0" err="1" smtClean="0"/>
-              <a:t>you</a:t>
+              <a:t>i,just,took,you</a:t>
             </a:r>
             <a:endParaRPr lang="en-US" dirty="0" smtClean="0"/>
           </a:p>
@@ -6923,11 +6905,7 @@
           <a:p>
             <a:r>
               <a:rPr lang="en-US" dirty="0" smtClean="0"/>
-              <a:t>8370.0</a:t>
-            </a:r>
-            <a:r>
-              <a:rPr lang="en-US" dirty="0" smtClean="0"/>
-              <a:t>: </a:t>
+              <a:t>8370.0: </a:t>
             </a:r>
             <a:r>
               <a:rPr lang="en-US" dirty="0" err="1" smtClean="0"/>
@@ -6945,6 +6923,13 @@
   <p:clrMapOvr>
     <a:masterClrMapping/>
   </p:clrMapOvr>
+  <p:timing>
+    <p:tnLst>
+      <p:par>
+        <p:cTn id="1" dur="indefinite" restart="never" nodeType="tmRoot"/>
+      </p:par>
+    </p:tnLst>
+  </p:timing>
 </p:sld>
 </file>
 
@@ -7080,6 +7065,13 @@
   <p:clrMapOvr>
     <a:masterClrMapping/>
   </p:clrMapOvr>
+  <p:timing>
+    <p:tnLst>
+      <p:par>
+        <p:cTn id="1" dur="indefinite" restart="never" nodeType="tmRoot"/>
+      </p:par>
+    </p:tnLst>
+  </p:timing>
 </p:sld>
 </file>
 
@@ -7157,6 +7149,13 @@
   <p:clrMapOvr>
     <a:masterClrMapping/>
   </p:clrMapOvr>
+  <p:timing>
+    <p:tnLst>
+      <p:par>
+        <p:cTn id="1" dur="indefinite" restart="never" nodeType="tmRoot"/>
+      </p:par>
+    </p:tnLst>
+  </p:timing>
 </p:sld>
 </file>
 
@@ -7303,6 +7302,13 @@
   <p:clrMapOvr>
     <a:masterClrMapping/>
   </p:clrMapOvr>
+  <p:timing>
+    <p:tnLst>
+      <p:par>
+        <p:cTn id="1" dur="indefinite" restart="never" nodeType="tmRoot"/>
+      </p:par>
+    </p:tnLst>
+  </p:timing>
 </p:sld>
 </file>
 
@@ -8419,6 +8425,13 @@
   <p:clrMapOvr>
     <a:masterClrMapping/>
   </p:clrMapOvr>
+  <p:timing>
+    <p:tnLst>
+      <p:par>
+        <p:cTn id="1" dur="indefinite" restart="never" nodeType="tmRoot"/>
+      </p:par>
+    </p:tnLst>
+  </p:timing>
 </p:sld>
 </file>
 
@@ -8571,6 +8584,13 @@
   <p:clrMapOvr>
     <a:masterClrMapping/>
   </p:clrMapOvr>
+  <p:timing>
+    <p:tnLst>
+      <p:par>
+        <p:cTn id="1" dur="indefinite" restart="never" nodeType="tmRoot"/>
+      </p:par>
+    </p:tnLst>
+  </p:timing>
 </p:sld>
 </file>
 
@@ -8639,15 +8659,7 @@
             </a:r>
             <a:r>
               <a:rPr lang="en-US" dirty="0" smtClean="0"/>
-              <a:t> Actors library we’ve created a multi-threaded Tweet parser usable with </a:t>
-            </a:r>
-            <a:r>
-              <a:rPr lang="en-US" dirty="0" smtClean="0"/>
-              <a:t>an </a:t>
-            </a:r>
-            <a:r>
-              <a:rPr lang="en-US" dirty="0" smtClean="0"/>
-              <a:t>arbitrary database (connectors for </a:t>
+              <a:t> Actors library we’ve created a multi-threaded Tweet parser usable with an arbitrary database (connectors for </a:t>
             </a:r>
             <a:r>
               <a:rPr lang="en-US" dirty="0" err="1" smtClean="0"/>
@@ -9277,6 +9289,13 @@
   <p:clrMapOvr>
     <a:masterClrMapping/>
   </p:clrMapOvr>
+  <p:timing>
+    <p:tnLst>
+      <p:par>
+        <p:cTn id="1" dur="indefinite" restart="never" nodeType="tmRoot"/>
+      </p:par>
+    </p:tnLst>
+  </p:timing>
 </p:sld>
 </file>
 
@@ -9885,6 +9904,13 @@
   <p:clrMapOvr>
     <a:masterClrMapping/>
   </p:clrMapOvr>
+  <p:timing>
+    <p:tnLst>
+      <p:par>
+        <p:cTn id="1" dur="indefinite" restart="never" nodeType="tmRoot"/>
+      </p:par>
+    </p:tnLst>
+  </p:timing>
 </p:sld>
 </file>
 
@@ -10011,6 +10037,13 @@
   <p:clrMapOvr>
     <a:masterClrMapping/>
   </p:clrMapOvr>
+  <p:timing>
+    <p:tnLst>
+      <p:par>
+        <p:cTn id="1" dur="indefinite" restart="never" nodeType="tmRoot"/>
+      </p:par>
+    </p:tnLst>
+  </p:timing>
 </p:sld>
 </file>
 
@@ -10570,6 +10603,13 @@
   <p:clrMapOvr>
     <a:masterClrMapping/>
   </p:clrMapOvr>
+  <p:timing>
+    <p:tnLst>
+      <p:par>
+        <p:cTn id="1" dur="indefinite" restart="never" nodeType="tmRoot"/>
+      </p:par>
+    </p:tnLst>
+  </p:timing>
 </p:sld>
 </file>
 
